--- a/BSR Documents/BSR Backlog Poster v2.pptx
+++ b/BSR Documents/BSR Backlog Poster v2.pptx
@@ -206,7 +206,7 @@
           <a:p>
             <a:fld id="{CAF482BD-0D42-49BF-B82B-056A7D9882F2}" type="datetimeFigureOut">
               <a:rPr lang="en-GB" smtClean="0"/>
-              <a:t>21/10/2022</a:t>
+              <a:t>14/12/2022</a:t>
             </a:fld>
             <a:endParaRPr lang="en-GB"/>
           </a:p>
@@ -518,6 +518,19 @@
           <a:bodyPr/>
           <a:lstStyle/>
           <a:p>
+            <a:pPr marL="228600" indent="-228600">
+              <a:buAutoNum type="arabicPlain" startAt="15"/>
+            </a:pPr>
+            <a:endParaRPr lang="en-GB"/>
+          </a:p>
+          <a:p>
+            <a:pPr marL="228600" indent="-228600">
+              <a:buAutoNum type="arabicPlain" startAt="15"/>
+            </a:pPr>
+            <a:r>
+              <a:rPr lang="en-GB"/>
+              <a:t>RGB colour: #3682A9</a:t>
+            </a:r>
             <a:endParaRPr lang="en-GB" dirty="0"/>
           </a:p>
         </p:txBody>
@@ -8886,26 +8899,6 @@
 </file>
 
 <file path=customXml/item1.xml><?xml version="1.0" encoding="utf-8"?>
-<?mso-contentType ?>
-<FormTemplates xmlns="http://schemas.microsoft.com/sharepoint/v3/contenttype/forms">
-  <Display>DocumentLibraryForm</Display>
-  <Edit>DocumentLibraryForm</Edit>
-  <New>DocumentLibraryForm</New>
-</FormTemplates>
-</file>
-
-<file path=customXml/item2.xml><?xml version="1.0" encoding="utf-8"?>
-<p:properties xmlns:p="http://schemas.microsoft.com/office/2006/metadata/properties" xmlns:xsi="http://www.w3.org/2001/XMLSchema-instance" xmlns:pc="http://schemas.microsoft.com/office/infopath/2007/PartnerControls">
-  <documentManagement>
-    <lcf76f155ced4ddcb4097134ff3c332f xmlns="68e1ab35-ff8e-44ca-82a7-f81c04950d13">
-      <Terms xmlns="http://schemas.microsoft.com/office/infopath/2007/PartnerControls"/>
-    </lcf76f155ced4ddcb4097134ff3c332f>
-    <TaxCatchAll xmlns="a5bf85ab-5b89-45d5-812d-d881043611a5" xsi:nil="true"/>
-  </documentManagement>
-</p:properties>
-</file>
-
-<file path=customXml/item3.xml><?xml version="1.0" encoding="utf-8"?>
 <ct:contentTypeSchema xmlns:ct="http://schemas.microsoft.com/office/2006/metadata/contentType" xmlns:ma="http://schemas.microsoft.com/office/2006/metadata/properties/metaAttributes" ct:_="" ma:_="" ma:contentTypeName="Document" ma:contentTypeID="0x0101009B30BA10C8AB784DAB17B53F66311B85" ma:contentTypeVersion="17" ma:contentTypeDescription="Create a new document." ma:contentTypeScope="" ma:versionID="9a4afbef0cebab19f64575dfa6d2fb1b">
   <xsd:schema xmlns:xsd="http://www.w3.org/2001/XMLSchema" xmlns:xs="http://www.w3.org/2001/XMLSchema" xmlns:p="http://schemas.microsoft.com/office/2006/metadata/properties" xmlns:ns2="68e1ab35-ff8e-44ca-82a7-f81c04950d13" xmlns:ns3="a5bf85ab-5b89-45d5-812d-d881043611a5" targetNamespace="http://schemas.microsoft.com/office/2006/metadata/properties" ma:root="true" ma:fieldsID="a56bcb5265aca5f60241e3e41bf120b0" ns2:_="" ns3:_="">
     <xsd:import namespace="68e1ab35-ff8e-44ca-82a7-f81c04950d13"/>
@@ -9148,10 +9141,41 @@
 </ct:contentTypeSchema>
 </file>
 
+<file path=customXml/item2.xml><?xml version="1.0" encoding="utf-8"?>
+<p:properties xmlns:p="http://schemas.microsoft.com/office/2006/metadata/properties" xmlns:xsi="http://www.w3.org/2001/XMLSchema-instance" xmlns:pc="http://schemas.microsoft.com/office/infopath/2007/PartnerControls">
+  <documentManagement>
+    <lcf76f155ced4ddcb4097134ff3c332f xmlns="68e1ab35-ff8e-44ca-82a7-f81c04950d13">
+      <Terms xmlns="http://schemas.microsoft.com/office/infopath/2007/PartnerControls"/>
+    </lcf76f155ced4ddcb4097134ff3c332f>
+    <TaxCatchAll xmlns="a5bf85ab-5b89-45d5-812d-d881043611a5" xsi:nil="true"/>
+  </documentManagement>
+</p:properties>
+</file>
+
+<file path=customXml/item3.xml><?xml version="1.0" encoding="utf-8"?>
+<?mso-contentType ?>
+<FormTemplates xmlns="http://schemas.microsoft.com/sharepoint/v3/contenttype/forms">
+  <Display>DocumentLibraryForm</Display>
+  <Edit>DocumentLibraryForm</Edit>
+  <New>DocumentLibraryForm</New>
+</FormTemplates>
+</file>
+
 <file path=customXml/itemProps1.xml><?xml version="1.0" encoding="utf-8"?>
-<ds:datastoreItem xmlns:ds="http://schemas.openxmlformats.org/officeDocument/2006/customXml" ds:itemID="{0D187932-1872-496F-9950-FE700874A400}">
+<ds:datastoreItem xmlns:ds="http://schemas.openxmlformats.org/officeDocument/2006/customXml" ds:itemID="{4983E292-0924-497B-BA71-25F8C46F91F0}">
   <ds:schemaRefs>
-    <ds:schemaRef ds:uri="http://schemas.microsoft.com/sharepoint/v3/contenttype/forms"/>
+    <ds:schemaRef ds:uri="68e1ab35-ff8e-44ca-82a7-f81c04950d13"/>
+    <ds:schemaRef ds:uri="a5bf85ab-5b89-45d5-812d-d881043611a5"/>
+    <ds:schemaRef ds:uri="http://purl.org/dc/elements/1.1/"/>
+    <ds:schemaRef ds:uri="http://purl.org/dc/terms/"/>
+    <ds:schemaRef ds:uri="http://schemas.microsoft.com/internal/obd"/>
+    <ds:schemaRef ds:uri="http://schemas.microsoft.com/office/2006/documentManagement/types"/>
+    <ds:schemaRef ds:uri="http://schemas.microsoft.com/office/2006/metadata/contentType"/>
+    <ds:schemaRef ds:uri="http://schemas.microsoft.com/office/2006/metadata/properties"/>
+    <ds:schemaRef ds:uri="http://schemas.microsoft.com/office/2006/metadata/properties/metaAttributes"/>
+    <ds:schemaRef ds:uri="http://schemas.microsoft.com/office/infopath/2007/PartnerControls"/>
+    <ds:schemaRef ds:uri="http://schemas.openxmlformats.org/package/2006/metadata/core-properties"/>
+    <ds:schemaRef ds:uri="http://www.w3.org/2001/XMLSchema"/>
   </ds:schemaRefs>
 </ds:datastoreItem>
 </file>
@@ -9174,20 +9198,9 @@
 </file>
 
 <file path=customXml/itemProps3.xml><?xml version="1.0" encoding="utf-8"?>
-<ds:datastoreItem xmlns:ds="http://schemas.openxmlformats.org/officeDocument/2006/customXml" ds:itemID="{4983E292-0924-497B-BA71-25F8C46F91F0}">
+<ds:datastoreItem xmlns:ds="http://schemas.openxmlformats.org/officeDocument/2006/customXml" ds:itemID="{0D187932-1872-496F-9950-FE700874A400}">
   <ds:schemaRefs>
-    <ds:schemaRef ds:uri="68e1ab35-ff8e-44ca-82a7-f81c04950d13"/>
-    <ds:schemaRef ds:uri="a5bf85ab-5b89-45d5-812d-d881043611a5"/>
-    <ds:schemaRef ds:uri="http://purl.org/dc/elements/1.1/"/>
-    <ds:schemaRef ds:uri="http://purl.org/dc/terms/"/>
-    <ds:schemaRef ds:uri="http://schemas.microsoft.com/internal/obd"/>
-    <ds:schemaRef ds:uri="http://schemas.microsoft.com/office/2006/documentManagement/types"/>
-    <ds:schemaRef ds:uri="http://schemas.microsoft.com/office/2006/metadata/contentType"/>
-    <ds:schemaRef ds:uri="http://schemas.microsoft.com/office/2006/metadata/properties"/>
-    <ds:schemaRef ds:uri="http://schemas.microsoft.com/office/2006/metadata/properties/metaAttributes"/>
-    <ds:schemaRef ds:uri="http://schemas.microsoft.com/office/infopath/2007/PartnerControls"/>
-    <ds:schemaRef ds:uri="http://schemas.openxmlformats.org/package/2006/metadata/core-properties"/>
-    <ds:schemaRef ds:uri="http://www.w3.org/2001/XMLSchema"/>
+    <ds:schemaRef ds:uri="http://schemas.microsoft.com/sharepoint/v3/contenttype/forms"/>
   </ds:schemaRefs>
 </ds:datastoreItem>
 </file>
--- a/BSR Documents/BSR Backlog Poster v2.pptx
+++ b/BSR Documents/BSR Backlog Poster v2.pptx
@@ -206,7 +206,7 @@
           <a:p>
             <a:fld id="{CAF482BD-0D42-49BF-B82B-056A7D9882F2}" type="datetimeFigureOut">
               <a:rPr lang="en-GB" smtClean="0"/>
-              <a:t>14/12/2022</a:t>
+              <a:t>09/02/2023</a:t>
             </a:fld>
             <a:endParaRPr lang="en-GB"/>
           </a:p>
@@ -521,17 +521,16 @@
             <a:pPr marL="228600" indent="-228600">
               <a:buAutoNum type="arabicPlain" startAt="15"/>
             </a:pPr>
-            <a:endParaRPr lang="en-GB"/>
+            <a:endParaRPr lang="en-GB" dirty="0"/>
           </a:p>
           <a:p>
             <a:pPr marL="228600" indent="-228600">
               <a:buAutoNum type="arabicPlain" startAt="15"/>
             </a:pPr>
             <a:r>
-              <a:rPr lang="en-GB"/>
+              <a:rPr lang="en-GB" dirty="0"/>
               <a:t>RGB colour: #3682A9</a:t>
             </a:r>
-            <a:endParaRPr lang="en-GB" dirty="0"/>
           </a:p>
         </p:txBody>
       </p:sp>
@@ -8899,6 +8898,26 @@
 </file>
 
 <file path=customXml/item1.xml><?xml version="1.0" encoding="utf-8"?>
+<?mso-contentType ?>
+<FormTemplates xmlns="http://schemas.microsoft.com/sharepoint/v3/contenttype/forms">
+  <Display>DocumentLibraryForm</Display>
+  <Edit>DocumentLibraryForm</Edit>
+  <New>DocumentLibraryForm</New>
+</FormTemplates>
+</file>
+
+<file path=customXml/item2.xml><?xml version="1.0" encoding="utf-8"?>
+<p:properties xmlns:p="http://schemas.microsoft.com/office/2006/metadata/properties" xmlns:xsi="http://www.w3.org/2001/XMLSchema-instance" xmlns:pc="http://schemas.microsoft.com/office/infopath/2007/PartnerControls">
+  <documentManagement>
+    <lcf76f155ced4ddcb4097134ff3c332f xmlns="68e1ab35-ff8e-44ca-82a7-f81c04950d13">
+      <Terms xmlns="http://schemas.microsoft.com/office/infopath/2007/PartnerControls"/>
+    </lcf76f155ced4ddcb4097134ff3c332f>
+    <TaxCatchAll xmlns="a5bf85ab-5b89-45d5-812d-d881043611a5" xsi:nil="true"/>
+  </documentManagement>
+</p:properties>
+</file>
+
+<file path=customXml/item3.xml><?xml version="1.0" encoding="utf-8"?>
 <ct:contentTypeSchema xmlns:ct="http://schemas.microsoft.com/office/2006/metadata/contentType" xmlns:ma="http://schemas.microsoft.com/office/2006/metadata/properties/metaAttributes" ct:_="" ma:_="" ma:contentTypeName="Document" ma:contentTypeID="0x0101009B30BA10C8AB784DAB17B53F66311B85" ma:contentTypeVersion="17" ma:contentTypeDescription="Create a new document." ma:contentTypeScope="" ma:versionID="9a4afbef0cebab19f64575dfa6d2fb1b">
   <xsd:schema xmlns:xsd="http://www.w3.org/2001/XMLSchema" xmlns:xs="http://www.w3.org/2001/XMLSchema" xmlns:p="http://schemas.microsoft.com/office/2006/metadata/properties" xmlns:ns2="68e1ab35-ff8e-44ca-82a7-f81c04950d13" xmlns:ns3="a5bf85ab-5b89-45d5-812d-d881043611a5" targetNamespace="http://schemas.microsoft.com/office/2006/metadata/properties" ma:root="true" ma:fieldsID="a56bcb5265aca5f60241e3e41bf120b0" ns2:_="" ns3:_="">
     <xsd:import namespace="68e1ab35-ff8e-44ca-82a7-f81c04950d13"/>
@@ -9141,41 +9160,10 @@
 </ct:contentTypeSchema>
 </file>
 
-<file path=customXml/item2.xml><?xml version="1.0" encoding="utf-8"?>
-<p:properties xmlns:p="http://schemas.microsoft.com/office/2006/metadata/properties" xmlns:xsi="http://www.w3.org/2001/XMLSchema-instance" xmlns:pc="http://schemas.microsoft.com/office/infopath/2007/PartnerControls">
-  <documentManagement>
-    <lcf76f155ced4ddcb4097134ff3c332f xmlns="68e1ab35-ff8e-44ca-82a7-f81c04950d13">
-      <Terms xmlns="http://schemas.microsoft.com/office/infopath/2007/PartnerControls"/>
-    </lcf76f155ced4ddcb4097134ff3c332f>
-    <TaxCatchAll xmlns="a5bf85ab-5b89-45d5-812d-d881043611a5" xsi:nil="true"/>
-  </documentManagement>
-</p:properties>
-</file>
-
-<file path=customXml/item3.xml><?xml version="1.0" encoding="utf-8"?>
-<?mso-contentType ?>
-<FormTemplates xmlns="http://schemas.microsoft.com/sharepoint/v3/contenttype/forms">
-  <Display>DocumentLibraryForm</Display>
-  <Edit>DocumentLibraryForm</Edit>
-  <New>DocumentLibraryForm</New>
-</FormTemplates>
-</file>
-
 <file path=customXml/itemProps1.xml><?xml version="1.0" encoding="utf-8"?>
-<ds:datastoreItem xmlns:ds="http://schemas.openxmlformats.org/officeDocument/2006/customXml" ds:itemID="{4983E292-0924-497B-BA71-25F8C46F91F0}">
+<ds:datastoreItem xmlns:ds="http://schemas.openxmlformats.org/officeDocument/2006/customXml" ds:itemID="{0D187932-1872-496F-9950-FE700874A400}">
   <ds:schemaRefs>
-    <ds:schemaRef ds:uri="68e1ab35-ff8e-44ca-82a7-f81c04950d13"/>
-    <ds:schemaRef ds:uri="a5bf85ab-5b89-45d5-812d-d881043611a5"/>
-    <ds:schemaRef ds:uri="http://purl.org/dc/elements/1.1/"/>
-    <ds:schemaRef ds:uri="http://purl.org/dc/terms/"/>
-    <ds:schemaRef ds:uri="http://schemas.microsoft.com/internal/obd"/>
-    <ds:schemaRef ds:uri="http://schemas.microsoft.com/office/2006/documentManagement/types"/>
-    <ds:schemaRef ds:uri="http://schemas.microsoft.com/office/2006/metadata/contentType"/>
-    <ds:schemaRef ds:uri="http://schemas.microsoft.com/office/2006/metadata/properties"/>
-    <ds:schemaRef ds:uri="http://schemas.microsoft.com/office/2006/metadata/properties/metaAttributes"/>
-    <ds:schemaRef ds:uri="http://schemas.microsoft.com/office/infopath/2007/PartnerControls"/>
-    <ds:schemaRef ds:uri="http://schemas.openxmlformats.org/package/2006/metadata/core-properties"/>
-    <ds:schemaRef ds:uri="http://www.w3.org/2001/XMLSchema"/>
+    <ds:schemaRef ds:uri="http://schemas.microsoft.com/sharepoint/v3/contenttype/forms"/>
   </ds:schemaRefs>
 </ds:datastoreItem>
 </file>
@@ -9198,9 +9186,20 @@
 </file>
 
 <file path=customXml/itemProps3.xml><?xml version="1.0" encoding="utf-8"?>
-<ds:datastoreItem xmlns:ds="http://schemas.openxmlformats.org/officeDocument/2006/customXml" ds:itemID="{0D187932-1872-496F-9950-FE700874A400}">
+<ds:datastoreItem xmlns:ds="http://schemas.openxmlformats.org/officeDocument/2006/customXml" ds:itemID="{4983E292-0924-497B-BA71-25F8C46F91F0}">
   <ds:schemaRefs>
-    <ds:schemaRef ds:uri="http://schemas.microsoft.com/sharepoint/v3/contenttype/forms"/>
+    <ds:schemaRef ds:uri="68e1ab35-ff8e-44ca-82a7-f81c04950d13"/>
+    <ds:schemaRef ds:uri="a5bf85ab-5b89-45d5-812d-d881043611a5"/>
+    <ds:schemaRef ds:uri="http://purl.org/dc/elements/1.1/"/>
+    <ds:schemaRef ds:uri="http://purl.org/dc/terms/"/>
+    <ds:schemaRef ds:uri="http://schemas.microsoft.com/internal/obd"/>
+    <ds:schemaRef ds:uri="http://schemas.microsoft.com/office/2006/documentManagement/types"/>
+    <ds:schemaRef ds:uri="http://schemas.microsoft.com/office/2006/metadata/contentType"/>
+    <ds:schemaRef ds:uri="http://schemas.microsoft.com/office/2006/metadata/properties"/>
+    <ds:schemaRef ds:uri="http://schemas.microsoft.com/office/2006/metadata/properties/metaAttributes"/>
+    <ds:schemaRef ds:uri="http://schemas.microsoft.com/office/infopath/2007/PartnerControls"/>
+    <ds:schemaRef ds:uri="http://schemas.openxmlformats.org/package/2006/metadata/core-properties"/>
+    <ds:schemaRef ds:uri="http://www.w3.org/2001/XMLSchema"/>
   </ds:schemaRefs>
 </ds:datastoreItem>
 </file>